--- a/DS_Sat_2020/DS-Day-01 R.pptx
+++ b/DS_Sat_2020/DS-Day-01 R.pptx
@@ -206,7 +206,7 @@
           <a:p>
             <a:fld id="{22783AA6-C1EF-448D-A48A-EF30DCBEFCCC}" type="datetimeFigureOut">
               <a:rPr lang="en-US" smtClean="0"/>
-              <a:t>1/31/20</a:t>
+              <a:t>9/10/20</a:t>
             </a:fld>
             <a:endParaRPr lang="en-US"/>
           </a:p>
@@ -1726,7 +1726,7 @@
           <a:p>
             <a:fld id="{C14F4D0B-68E4-4C14-BD4D-319F9BD213A3}" type="datetimeFigureOut">
               <a:rPr lang="ru-RU" smtClean="0"/>
-              <a:t>31.01.2020</a:t>
+              <a:t>10.09.2020</a:t>
             </a:fld>
             <a:endParaRPr lang="ru-RU"/>
           </a:p>
@@ -1896,7 +1896,7 @@
           <a:p>
             <a:fld id="{C14F4D0B-68E4-4C14-BD4D-319F9BD213A3}" type="datetimeFigureOut">
               <a:rPr lang="ru-RU" smtClean="0"/>
-              <a:t>31.01.2020</a:t>
+              <a:t>10.09.2020</a:t>
             </a:fld>
             <a:endParaRPr lang="ru-RU"/>
           </a:p>
@@ -2076,7 +2076,7 @@
           <a:p>
             <a:fld id="{C14F4D0B-68E4-4C14-BD4D-319F9BD213A3}" type="datetimeFigureOut">
               <a:rPr lang="ru-RU" smtClean="0"/>
-              <a:t>31.01.2020</a:t>
+              <a:t>10.09.2020</a:t>
             </a:fld>
             <a:endParaRPr lang="ru-RU"/>
           </a:p>
@@ -2246,7 +2246,7 @@
           <a:p>
             <a:fld id="{C14F4D0B-68E4-4C14-BD4D-319F9BD213A3}" type="datetimeFigureOut">
               <a:rPr lang="ru-RU" smtClean="0"/>
-              <a:t>31.01.2020</a:t>
+              <a:t>10.09.2020</a:t>
             </a:fld>
             <a:endParaRPr lang="ru-RU"/>
           </a:p>
@@ -2497,7 +2497,7 @@
           <a:p>
             <a:fld id="{C14F4D0B-68E4-4C14-BD4D-319F9BD213A3}" type="datetimeFigureOut">
               <a:rPr lang="ru-RU" smtClean="0"/>
-              <a:t>31.01.2020</a:t>
+              <a:t>10.09.2020</a:t>
             </a:fld>
             <a:endParaRPr lang="ru-RU"/>
           </a:p>
@@ -2729,7 +2729,7 @@
           <a:p>
             <a:fld id="{C14F4D0B-68E4-4C14-BD4D-319F9BD213A3}" type="datetimeFigureOut">
               <a:rPr lang="ru-RU" smtClean="0"/>
-              <a:t>31.01.2020</a:t>
+              <a:t>10.09.2020</a:t>
             </a:fld>
             <a:endParaRPr lang="ru-RU"/>
           </a:p>
@@ -3076,7 +3076,7 @@
           <a:p>
             <a:fld id="{C14F4D0B-68E4-4C14-BD4D-319F9BD213A3}" type="datetimeFigureOut">
               <a:rPr lang="ru-RU" smtClean="0"/>
-              <a:t>31.01.2020</a:t>
+              <a:t>10.09.2020</a:t>
             </a:fld>
             <a:endParaRPr lang="ru-RU"/>
           </a:p>
@@ -3194,7 +3194,7 @@
           <a:p>
             <a:fld id="{C14F4D0B-68E4-4C14-BD4D-319F9BD213A3}" type="datetimeFigureOut">
               <a:rPr lang="ru-RU" smtClean="0"/>
-              <a:t>31.01.2020</a:t>
+              <a:t>10.09.2020</a:t>
             </a:fld>
             <a:endParaRPr lang="ru-RU"/>
           </a:p>
@@ -3312,7 +3312,7 @@
           <a:p>
             <a:fld id="{C14F4D0B-68E4-4C14-BD4D-319F9BD213A3}" type="datetimeFigureOut">
               <a:rPr lang="ru-RU" smtClean="0"/>
-              <a:t>31.01.2020</a:t>
+              <a:t>10.09.2020</a:t>
             </a:fld>
             <a:endParaRPr lang="ru-RU"/>
           </a:p>
@@ -3596,7 +3596,7 @@
           <a:p>
             <a:fld id="{C14F4D0B-68E4-4C14-BD4D-319F9BD213A3}" type="datetimeFigureOut">
               <a:rPr lang="ru-RU" smtClean="0"/>
-              <a:t>31.01.2020</a:t>
+              <a:t>10.09.2020</a:t>
             </a:fld>
             <a:endParaRPr lang="ru-RU"/>
           </a:p>
@@ -3860,7 +3860,7 @@
           <a:p>
             <a:fld id="{C14F4D0B-68E4-4C14-BD4D-319F9BD213A3}" type="datetimeFigureOut">
               <a:rPr lang="ru-RU" smtClean="0"/>
-              <a:t>31.01.2020</a:t>
+              <a:t>10.09.2020</a:t>
             </a:fld>
             <a:endParaRPr lang="ru-RU"/>
           </a:p>
@@ -4074,7 +4074,7 @@
           <a:p>
             <a:fld id="{C14F4D0B-68E4-4C14-BD4D-319F9BD213A3}" type="datetimeFigureOut">
               <a:rPr lang="ru-RU" smtClean="0"/>
-              <a:t>31.01.2020</a:t>
+              <a:t>10.09.2020</a:t>
             </a:fld>
             <a:endParaRPr lang="ru-RU"/>
           </a:p>
@@ -4612,7 +4612,7 @@
         <p:spPr>
           <a:xfrm>
             <a:off x="560070" y="1197429"/>
-            <a:ext cx="8068673" cy="6401753"/>
+            <a:ext cx="8068673" cy="4739759"/>
           </a:xfrm>
           <a:prstGeom prst="rect">
             <a:avLst/>
@@ -4625,87 +4625,11 @@
           </a:bodyPr>
           <a:lstStyle/>
           <a:p>
-            <a:r>
-              <a:rPr lang="ru-RU" sz="3200" dirty="0"/>
-              <a:t>Правила </a:t>
-            </a:r>
-            <a:r>
-              <a:rPr lang="ru-RU" sz="3200" dirty="0">
-                <a:sym typeface="Wingdings" panose="05000000000000000000" pitchFamily="2" charset="2"/>
-              </a:rPr>
-              <a:t></a:t>
-            </a:r>
-            <a:endParaRPr lang="en-US" sz="3200" dirty="0"/>
-          </a:p>
-          <a:p>
             <a:pPr marL="457200" indent="-457200">
               <a:buFont typeface="Arial" pitchFamily="34" charset="0"/>
               <a:buChar char="•"/>
             </a:pPr>
-            <a:r>
-              <a:rPr lang="ru-RU" sz="3200" dirty="0"/>
-              <a:t>Занятия </a:t>
-            </a:r>
-          </a:p>
-          <a:p>
-            <a:pPr marL="857250" lvl="1" indent="-457200">
-              <a:buFont typeface="Arial" pitchFamily="34" charset="0"/>
-              <a:buChar char="•"/>
-            </a:pPr>
-            <a:r>
-              <a:rPr lang="ru-RU" dirty="0"/>
-              <a:t>18-45 по 21-15</a:t>
-            </a:r>
-            <a:r>
-              <a:rPr lang="en-US" dirty="0"/>
-              <a:t> (</a:t>
-            </a:r>
-            <a:r>
-              <a:rPr lang="ru-RU" dirty="0" err="1"/>
-              <a:t>Пн-Ср,Вт-Чт</a:t>
-            </a:r>
-            <a:r>
-              <a:rPr lang="ru-RU" dirty="0"/>
-              <a:t>)</a:t>
-            </a:r>
-          </a:p>
-          <a:p>
-            <a:pPr marL="857250" lvl="1" indent="-457200">
-              <a:buFont typeface="Arial" pitchFamily="34" charset="0"/>
-              <a:buChar char="•"/>
-            </a:pPr>
-            <a:r>
-              <a:rPr lang="ru-RU" dirty="0"/>
-              <a:t>10:00 по 14:</a:t>
-            </a:r>
-            <a:r>
-              <a:rPr lang="en-US" dirty="0"/>
-              <a:t>3</a:t>
-            </a:r>
-            <a:r>
-              <a:rPr lang="ru-RU" dirty="0"/>
-              <a:t>0 / 15:00 по 19:</a:t>
-            </a:r>
-            <a:r>
-              <a:rPr lang="en-US" dirty="0"/>
-              <a:t>3</a:t>
-            </a:r>
-            <a:r>
-              <a:rPr lang="ru-RU" dirty="0"/>
-              <a:t>0 (</a:t>
-            </a:r>
-            <a:r>
-              <a:rPr lang="ru-RU" dirty="0" err="1"/>
-              <a:t>Сб</a:t>
-            </a:r>
-            <a:r>
-              <a:rPr lang="ru-RU" dirty="0"/>
-              <a:t>)</a:t>
-            </a:r>
-            <a:r>
-              <a:rPr lang="en-US" dirty="0"/>
-              <a:t> </a:t>
-            </a:r>
+            <a:endParaRPr lang="ru-RU" sz="3200" dirty="0"/>
           </a:p>
           <a:p>
             <a:pPr marL="457200" indent="-457200">
@@ -4714,8 +4638,21 @@
             </a:pPr>
             <a:r>
               <a:rPr lang="ru-RU" sz="3200" dirty="0"/>
-              <a:t>В здании – пропускная система</a:t>
-            </a:r>
+              <a:t>Занятия </a:t>
+            </a:r>
+            <a:r>
+              <a:rPr lang="ru-RU" sz="2800" dirty="0"/>
+              <a:t>10:00 по 14:</a:t>
+            </a:r>
+            <a:r>
+              <a:rPr lang="en-US" sz="2800" dirty="0"/>
+              <a:t>0</a:t>
+            </a:r>
+            <a:r>
+              <a:rPr lang="ru-RU" sz="2800" dirty="0"/>
+              <a:t>0</a:t>
+            </a:r>
+            <a:endParaRPr lang="en-US" dirty="0"/>
           </a:p>
           <a:p>
             <a:pPr marL="457200" indent="-457200">
@@ -4724,51 +4661,6 @@
             </a:pPr>
             <a:r>
               <a:rPr lang="ru-RU" sz="3200" dirty="0"/>
-              <a:t>Кофе, чай, молоко, сливки – в кафетериях на 1,2</a:t>
-            </a:r>
-            <a:r>
-              <a:rPr lang="en-US" sz="3200" dirty="0"/>
-              <a:t>,8</a:t>
-            </a:r>
-            <a:r>
-              <a:rPr lang="ru-RU" sz="3200" dirty="0"/>
-              <a:t> этажах</a:t>
-            </a:r>
-          </a:p>
-          <a:p>
-            <a:pPr marL="457200" indent="-457200">
-              <a:buFont typeface="Arial" pitchFamily="34" charset="0"/>
-              <a:buChar char="•"/>
-            </a:pPr>
-            <a:r>
-              <a:rPr lang="ru-RU" sz="3200" dirty="0"/>
-              <a:t>Вода в кулерах – на каждом этаже</a:t>
-            </a:r>
-          </a:p>
-          <a:p>
-            <a:pPr marL="457200" indent="-457200">
-              <a:buFont typeface="Arial" pitchFamily="34" charset="0"/>
-              <a:buChar char="•"/>
-            </a:pPr>
-            <a:r>
-              <a:rPr lang="ru-RU" sz="3200" dirty="0">
-                <a:sym typeface="Wingdings" pitchFamily="2" charset="2"/>
-              </a:rPr>
-              <a:t>Курение </a:t>
-            </a:r>
-            <a:r>
-              <a:rPr lang="ru-RU" sz="3200" dirty="0"/>
-              <a:t>– только на улице</a:t>
-            </a:r>
-            <a:endParaRPr lang="en-US" sz="3200" dirty="0"/>
-          </a:p>
-          <a:p>
-            <a:pPr marL="457200" indent="-457200">
-              <a:buFont typeface="Arial" pitchFamily="34" charset="0"/>
-              <a:buChar char="•"/>
-            </a:pPr>
-            <a:r>
-              <a:rPr lang="ru-RU" sz="3200" dirty="0"/>
               <a:t>Материалы курса - </a:t>
             </a:r>
             <a:r>
@@ -4776,13 +4668,7 @@
                 <a:solidFill>
                   <a:schemeClr val="accent1"/>
                 </a:solidFill>
-                <a:hlinkClick r:id="rId3">
-                  <a:extLst>
-                    <a:ext uri="{A12FA001-AC4F-418D-AE19-62706E023703}">
-                      <ahyp:hlinkClr xmlns:ahyp="http://schemas.microsoft.com/office/drawing/2018/hyperlinkcolor" val="tx"/>
-                    </a:ext>
-                  </a:extLst>
-                </a:hlinkClick>
+                <a:hlinkClick r:id="rId3"/>
               </a:rPr>
               <a:t>https://github.com/Demolis/Infopulse/tree/master/</a:t>
             </a:r>
@@ -4791,22 +4677,47 @@
                 <a:solidFill>
                   <a:schemeClr val="accent1"/>
                 </a:solidFill>
+                <a:hlinkClick r:id="rId3"/>
               </a:rPr>
               <a:t>DS_Sat_20</a:t>
             </a:r>
             <a:r>
-              <a:rPr lang="ru-RU" sz="3200" u="sng">
+              <a:rPr lang="ru-RU" sz="3200" u="sng" dirty="0">
                 <a:solidFill>
                   <a:schemeClr val="accent1"/>
                 </a:solidFill>
+                <a:hlinkClick r:id="rId3"/>
               </a:rPr>
               <a:t>20</a:t>
             </a:r>
-            <a:endParaRPr lang="ru-RU" u="sng" dirty="0">
+            <a:endParaRPr lang="en-US" sz="3200" u="sng" dirty="0">
               <a:solidFill>
                 <a:schemeClr val="accent1"/>
               </a:solidFill>
             </a:endParaRPr>
+          </a:p>
+          <a:p>
+            <a:pPr marL="457200" indent="-457200">
+              <a:buFont typeface="Arial" pitchFamily="34" charset="0"/>
+              <a:buChar char="•"/>
+            </a:pPr>
+            <a:r>
+              <a:rPr lang="ru-RU" sz="3200" dirty="0"/>
+              <a:t>Видео лекций</a:t>
+            </a:r>
+          </a:p>
+          <a:p>
+            <a:pPr marL="452438"/>
+            <a:r>
+              <a:rPr lang="en" sz="2800" dirty="0">
+                <a:hlinkClick r:id="rId4"/>
+              </a:rPr>
+              <a:t>https://www.youtube.com/playlist?list=PL8FCBxYmDZxyIRt2DhuiNkyzvK3Simi4h</a:t>
+            </a:r>
+            <a:r>
+              <a:rPr lang="ru-RU" sz="2800" dirty="0"/>
+              <a:t> </a:t>
+            </a:r>
           </a:p>
           <a:p>
             <a:pPr marL="342900" indent="-342900">
@@ -6197,7 +6108,7 @@
             </a:pPr>
             <a:r>
               <a:rPr lang="ru-RU" sz="2800" dirty="0"/>
-              <a:t>Пространственный анализ</a:t>
+              <a:t>Пространственная визуализация</a:t>
             </a:r>
           </a:p>
           <a:p>
@@ -6209,23 +6120,6 @@
               <a:rPr lang="en-US" sz="2800" dirty="0"/>
               <a:t>GUI</a:t>
             </a:r>
-            <a:endParaRPr lang="ru-RU" sz="2800" dirty="0"/>
-          </a:p>
-          <a:p>
-            <a:pPr marL="457200" indent="-457200">
-              <a:buFont typeface="Arial" panose="020B0604020202020204" pitchFamily="34" charset="0"/>
-              <a:buChar char="•"/>
-            </a:pPr>
-            <a:r>
-              <a:rPr lang="en-US" sz="2800" dirty="0"/>
-              <a:t>Big Data, </a:t>
-            </a:r>
-            <a:r>
-              <a:rPr lang="ru-RU" sz="2800" dirty="0"/>
-              <a:t>что такое и как работать</a:t>
-            </a:r>
-          </a:p>
-          <a:p>
             <a:endParaRPr lang="en-US" dirty="0"/>
           </a:p>
           <a:p>
@@ -10758,7 +10652,7 @@
             </a:r>
             <a:r>
               <a:rPr lang="ru-RU" sz="1800" dirty="0"/>
-              <a:t> - квантили</a:t>
+              <a:t> - квартили</a:t>
             </a:r>
           </a:p>
           <a:p>
